--- a/introduce/新建 Microsoft PowerPoint 演示文稿.pptx
+++ b/introduce/新建 Microsoft PowerPoint 演示文稿.pptx
@@ -115,6 +115,11 @@
       </a:defRPr>
     </a:lvl9pPr>
   </p:defaultTextStyle>
+  <p:extLst>
+    <p:ext uri="{EFAFB233-063F-42B5-8137-9DF3F51BA10A}">
+      <p15:sldGuideLst xmlns:p15="http://schemas.microsoft.com/office/powerpoint/2012/main"/>
+    </p:ext>
+  </p:extLst>
 </p:presentation>
 </file>
 
@@ -265,7 +270,7 @@
           <a:p>
             <a:fld id="{602C8383-467F-4653-B682-75F101A6A40A}" type="datetimeFigureOut">
               <a:rPr lang="zh-CN" altLang="en-US" smtClean="0"/>
-              <a:t>2023-05-06</a:t>
+              <a:t>2023-05-08</a:t>
             </a:fld>
             <a:endParaRPr lang="zh-CN" altLang="en-US"/>
           </a:p>
@@ -463,7 +468,7 @@
           <a:p>
             <a:fld id="{602C8383-467F-4653-B682-75F101A6A40A}" type="datetimeFigureOut">
               <a:rPr lang="zh-CN" altLang="en-US" smtClean="0"/>
-              <a:t>2023-05-06</a:t>
+              <a:t>2023-05-08</a:t>
             </a:fld>
             <a:endParaRPr lang="zh-CN" altLang="en-US"/>
           </a:p>
@@ -671,7 +676,7 @@
           <a:p>
             <a:fld id="{602C8383-467F-4653-B682-75F101A6A40A}" type="datetimeFigureOut">
               <a:rPr lang="zh-CN" altLang="en-US" smtClean="0"/>
-              <a:t>2023-05-06</a:t>
+              <a:t>2023-05-08</a:t>
             </a:fld>
             <a:endParaRPr lang="zh-CN" altLang="en-US"/>
           </a:p>
@@ -869,7 +874,7 @@
           <a:p>
             <a:fld id="{602C8383-467F-4653-B682-75F101A6A40A}" type="datetimeFigureOut">
               <a:rPr lang="zh-CN" altLang="en-US" smtClean="0"/>
-              <a:t>2023-05-06</a:t>
+              <a:t>2023-05-08</a:t>
             </a:fld>
             <a:endParaRPr lang="zh-CN" altLang="en-US"/>
           </a:p>
@@ -1144,7 +1149,7 @@
           <a:p>
             <a:fld id="{602C8383-467F-4653-B682-75F101A6A40A}" type="datetimeFigureOut">
               <a:rPr lang="zh-CN" altLang="en-US" smtClean="0"/>
-              <a:t>2023-05-06</a:t>
+              <a:t>2023-05-08</a:t>
             </a:fld>
             <a:endParaRPr lang="zh-CN" altLang="en-US"/>
           </a:p>
@@ -1409,7 +1414,7 @@
           <a:p>
             <a:fld id="{602C8383-467F-4653-B682-75F101A6A40A}" type="datetimeFigureOut">
               <a:rPr lang="zh-CN" altLang="en-US" smtClean="0"/>
-              <a:t>2023-05-06</a:t>
+              <a:t>2023-05-08</a:t>
             </a:fld>
             <a:endParaRPr lang="zh-CN" altLang="en-US"/>
           </a:p>
@@ -1821,7 +1826,7 @@
           <a:p>
             <a:fld id="{602C8383-467F-4653-B682-75F101A6A40A}" type="datetimeFigureOut">
               <a:rPr lang="zh-CN" altLang="en-US" smtClean="0"/>
-              <a:t>2023-05-06</a:t>
+              <a:t>2023-05-08</a:t>
             </a:fld>
             <a:endParaRPr lang="zh-CN" altLang="en-US"/>
           </a:p>
@@ -1962,7 +1967,7 @@
           <a:p>
             <a:fld id="{602C8383-467F-4653-B682-75F101A6A40A}" type="datetimeFigureOut">
               <a:rPr lang="zh-CN" altLang="en-US" smtClean="0"/>
-              <a:t>2023-05-06</a:t>
+              <a:t>2023-05-08</a:t>
             </a:fld>
             <a:endParaRPr lang="zh-CN" altLang="en-US"/>
           </a:p>
@@ -2075,7 +2080,7 @@
           <a:p>
             <a:fld id="{602C8383-467F-4653-B682-75F101A6A40A}" type="datetimeFigureOut">
               <a:rPr lang="zh-CN" altLang="en-US" smtClean="0"/>
-              <a:t>2023-05-06</a:t>
+              <a:t>2023-05-08</a:t>
             </a:fld>
             <a:endParaRPr lang="zh-CN" altLang="en-US"/>
           </a:p>
@@ -2386,7 +2391,7 @@
           <a:p>
             <a:fld id="{602C8383-467F-4653-B682-75F101A6A40A}" type="datetimeFigureOut">
               <a:rPr lang="zh-CN" altLang="en-US" smtClean="0"/>
-              <a:t>2023-05-06</a:t>
+              <a:t>2023-05-08</a:t>
             </a:fld>
             <a:endParaRPr lang="zh-CN" altLang="en-US"/>
           </a:p>
@@ -2674,7 +2679,7 @@
           <a:p>
             <a:fld id="{602C8383-467F-4653-B682-75F101A6A40A}" type="datetimeFigureOut">
               <a:rPr lang="zh-CN" altLang="en-US" smtClean="0"/>
-              <a:t>2023-05-06</a:t>
+              <a:t>2023-05-08</a:t>
             </a:fld>
             <a:endParaRPr lang="zh-CN" altLang="en-US"/>
           </a:p>
@@ -2915,7 +2920,7 @@
           <a:p>
             <a:fld id="{602C8383-467F-4653-B682-75F101A6A40A}" type="datetimeFigureOut">
               <a:rPr lang="zh-CN" altLang="en-US" smtClean="0"/>
-              <a:t>2023-05-06</a:t>
+              <a:t>2023-05-08</a:t>
             </a:fld>
             <a:endParaRPr lang="zh-CN" altLang="en-US"/>
           </a:p>
@@ -4385,7 +4390,7 @@
             <p:ph idx="1"/>
             <p:extLst>
               <p:ext uri="{D42A27DB-BD31-4B8C-83A1-F6EECF244321}">
-                <p14:modId xmlns:p14="http://schemas.microsoft.com/office/powerpoint/2010/main" val="3360139246"/>
+                <p14:modId xmlns:p14="http://schemas.microsoft.com/office/powerpoint/2010/main" val="3500524042"/>
               </p:ext>
             </p:extLst>
           </p:nvPr>
@@ -4547,18 +4552,10 @@
                     <a:p>
                       <a:pPr algn="ctr"/>
                       <a:r>
-                        <a:rPr lang="en-US" altLang="zh-CN" dirty="0">
-                          <a:highlight>
-                            <a:srgbClr val="FFFF00"/>
-                          </a:highlight>
-                        </a:rPr>
+                        <a:rPr lang="en-US" altLang="zh-CN" dirty="0"/>
                         <a:t>6</a:t>
                       </a:r>
-                      <a:endParaRPr lang="zh-CN" altLang="en-US" dirty="0">
-                        <a:highlight>
-                          <a:srgbClr val="FFFF00"/>
-                        </a:highlight>
-                      </a:endParaRPr>
+                      <a:endParaRPr lang="zh-CN" altLang="en-US" dirty="0"/>
                     </a:p>
                   </a:txBody>
                   <a:tcPr/>
@@ -4570,18 +4567,10 @@
                     <a:p>
                       <a:pPr algn="ctr"/>
                       <a:r>
-                        <a:rPr lang="en-US" altLang="zh-CN" dirty="0">
-                          <a:highlight>
-                            <a:srgbClr val="FFFF00"/>
-                          </a:highlight>
-                        </a:rPr>
+                        <a:rPr lang="en-US" altLang="zh-CN" dirty="0"/>
                         <a:t>6</a:t>
                       </a:r>
-                      <a:endParaRPr lang="zh-CN" altLang="en-US" dirty="0">
-                        <a:highlight>
-                          <a:srgbClr val="FFFF00"/>
-                        </a:highlight>
-                      </a:endParaRPr>
+                      <a:endParaRPr lang="zh-CN" altLang="en-US" dirty="0"/>
                     </a:p>
                   </a:txBody>
                   <a:tcPr/>
@@ -4727,18 +4716,10 @@
                     <a:p>
                       <a:pPr algn="ctr"/>
                       <a:r>
-                        <a:rPr lang="en-US" altLang="zh-CN" dirty="0">
-                          <a:highlight>
-                            <a:srgbClr val="FFFF00"/>
-                          </a:highlight>
-                        </a:rPr>
+                        <a:rPr lang="en-US" altLang="zh-CN" dirty="0"/>
                         <a:t>12</a:t>
                       </a:r>
-                      <a:endParaRPr lang="zh-CN" altLang="en-US" dirty="0">
-                        <a:highlight>
-                          <a:srgbClr val="FFFF00"/>
-                        </a:highlight>
-                      </a:endParaRPr>
+                      <a:endParaRPr lang="zh-CN" altLang="en-US" dirty="0"/>
                     </a:p>
                   </a:txBody>
                   <a:tcPr/>
@@ -4750,18 +4731,10 @@
                     <a:p>
                       <a:pPr algn="ctr"/>
                       <a:r>
-                        <a:rPr lang="en-US" altLang="zh-CN" dirty="0">
-                          <a:highlight>
-                            <a:srgbClr val="FFFF00"/>
-                          </a:highlight>
-                        </a:rPr>
+                        <a:rPr lang="en-US" altLang="zh-CN" dirty="0"/>
                         <a:t>12</a:t>
                       </a:r>
-                      <a:endParaRPr lang="zh-CN" altLang="en-US" dirty="0">
-                        <a:highlight>
-                          <a:srgbClr val="FFFF00"/>
-                        </a:highlight>
-                      </a:endParaRPr>
+                      <a:endParaRPr lang="zh-CN" altLang="en-US" dirty="0"/>
                     </a:p>
                   </a:txBody>
                   <a:tcPr/>
@@ -4826,7 +4799,7 @@
                       <a:pPr algn="ctr"/>
                       <a:r>
                         <a:rPr lang="en-US" altLang="zh-CN" dirty="0"/>
-                        <a:t>3</a:t>
+                        <a:t>4</a:t>
                       </a:r>
                       <a:endParaRPr lang="zh-CN" altLang="en-US" dirty="0"/>
                     </a:p>
@@ -5083,7 +5056,7 @@
             <p:ph idx="1"/>
             <p:extLst>
               <p:ext uri="{D42A27DB-BD31-4B8C-83A1-F6EECF244321}">
-                <p14:modId xmlns:p14="http://schemas.microsoft.com/office/powerpoint/2010/main" val="404358178"/>
+                <p14:modId xmlns:p14="http://schemas.microsoft.com/office/powerpoint/2010/main" val="4196941345"/>
               </p:ext>
             </p:extLst>
           </p:nvPr>
@@ -6004,7 +5977,7 @@
                       <a:pPr algn="ctr"/>
                       <a:r>
                         <a:rPr lang="en-US" altLang="zh-CN" dirty="0"/>
-                        <a:t>245</a:t>
+                        <a:t>252</a:t>
                       </a:r>
                       <a:endParaRPr lang="zh-CN" altLang="en-US" dirty="0"/>
                     </a:p>
@@ -11134,7 +11107,7 @@
         <p:spPr>
           <a:xfrm>
             <a:off x="896471" y="570149"/>
-            <a:ext cx="4715434" cy="2303931"/>
+            <a:ext cx="5569400" cy="2608729"/>
           </a:xfrm>
           <a:prstGeom prst="rect">
             <a:avLst/>
@@ -11208,8 +11181,8 @@
         </p:blipFill>
         <p:spPr>
           <a:xfrm>
-            <a:off x="932330" y="695144"/>
-            <a:ext cx="4643716" cy="2053939"/>
+            <a:off x="932329" y="695144"/>
+            <a:ext cx="5450541" cy="2410802"/>
           </a:xfrm>
           <a:prstGeom prst="rect">
             <a:avLst/>
@@ -11266,8 +11239,8 @@
         </p:nvSpPr>
         <p:spPr>
           <a:xfrm>
-            <a:off x="6642847" y="2165868"/>
-            <a:ext cx="4715434" cy="2608729"/>
+            <a:off x="6560566" y="2165868"/>
+            <a:ext cx="4968046" cy="2773685"/>
           </a:xfrm>
           <a:prstGeom prst="rect">
             <a:avLst/>
@@ -11327,8 +11300,8 @@
         </p:nvSpPr>
         <p:spPr>
           <a:xfrm>
-            <a:off x="918884" y="3797446"/>
-            <a:ext cx="4715434" cy="2608729"/>
+            <a:off x="896470" y="3613485"/>
+            <a:ext cx="5569399" cy="2975574"/>
           </a:xfrm>
           <a:prstGeom prst="rect">
             <a:avLst/>
@@ -11402,8 +11375,8 @@
         </p:blipFill>
         <p:spPr>
           <a:xfrm>
-            <a:off x="6810513" y="2290063"/>
-            <a:ext cx="4307321" cy="2323170"/>
+            <a:off x="6672625" y="2236876"/>
+            <a:ext cx="4705115" cy="2537722"/>
           </a:xfrm>
           <a:prstGeom prst="rect">
             <a:avLst/>
@@ -11438,8 +11411,8 @@
         </p:blipFill>
         <p:spPr>
           <a:xfrm>
-            <a:off x="1102657" y="3988004"/>
-            <a:ext cx="4129072" cy="2293176"/>
+            <a:off x="997662" y="3682886"/>
+            <a:ext cx="5192163" cy="2883589"/>
           </a:xfrm>
           <a:prstGeom prst="rect">
             <a:avLst/>
@@ -11504,7 +11477,7 @@
         </p:nvSpPr>
         <p:spPr>
           <a:xfrm>
-            <a:off x="932330" y="3409530"/>
+            <a:off x="932329" y="3266982"/>
             <a:ext cx="1999128" cy="369332"/>
           </a:xfrm>
           <a:prstGeom prst="rect">
